--- a/presentation_v1.pptx
+++ b/presentation_v1.pptx
@@ -206,7 +206,7 @@
           <a:p>
             <a:fld id="{8D80F073-C889-4F11-9408-744CDA7946D2}" type="datetimeFigureOut">
               <a:rPr lang="en-GB" smtClean="0"/>
-              <a:t>06/01/2022</a:t>
+              <a:t>07/01/2022</a:t>
             </a:fld>
             <a:endParaRPr lang="en-GB"/>
           </a:p>
@@ -365,7 +365,7 @@
           <a:p>
             <a:fld id="{EDB37EFF-6C61-4937-B1C1-A794E64DAC0F}" type="slidenum">
               <a:rPr lang="en-GB" smtClean="0"/>
-              <a:t>‹N°›</a:t>
+              <a:t>‹#›</a:t>
             </a:fld>
             <a:endParaRPr lang="en-GB"/>
           </a:p>
@@ -623,7 +623,7 @@
           <a:p>
             <a:fld id="{48D70FE8-65FD-4950-BD19-4EE3A454551B}" type="datetimeFigureOut">
               <a:rPr lang="en-GB" smtClean="0"/>
-              <a:t>06/01/2022</a:t>
+              <a:t>07/01/2022</a:t>
             </a:fld>
             <a:endParaRPr lang="en-GB"/>
           </a:p>
@@ -677,7 +677,7 @@
           <a:p>
             <a:fld id="{2F292878-7F0B-40D4-A83C-458753F39B78}" type="slidenum">
               <a:rPr lang="en-GB" smtClean="0"/>
-              <a:t>‹N°›</a:t>
+              <a:t>‹#›</a:t>
             </a:fld>
             <a:endParaRPr lang="en-GB"/>
           </a:p>
@@ -823,7 +823,7 @@
           <a:p>
             <a:fld id="{48D70FE8-65FD-4950-BD19-4EE3A454551B}" type="datetimeFigureOut">
               <a:rPr lang="en-GB" smtClean="0"/>
-              <a:t>06/01/2022</a:t>
+              <a:t>07/01/2022</a:t>
             </a:fld>
             <a:endParaRPr lang="en-GB"/>
           </a:p>
@@ -877,7 +877,7 @@
           <a:p>
             <a:fld id="{2F292878-7F0B-40D4-A83C-458753F39B78}" type="slidenum">
               <a:rPr lang="en-GB" smtClean="0"/>
-              <a:t>‹N°›</a:t>
+              <a:t>‹#›</a:t>
             </a:fld>
             <a:endParaRPr lang="en-GB"/>
           </a:p>
@@ -1033,7 +1033,7 @@
           <a:p>
             <a:fld id="{48D70FE8-65FD-4950-BD19-4EE3A454551B}" type="datetimeFigureOut">
               <a:rPr lang="en-GB" smtClean="0"/>
-              <a:t>06/01/2022</a:t>
+              <a:t>07/01/2022</a:t>
             </a:fld>
             <a:endParaRPr lang="en-GB"/>
           </a:p>
@@ -1087,7 +1087,7 @@
           <a:p>
             <a:fld id="{2F292878-7F0B-40D4-A83C-458753F39B78}" type="slidenum">
               <a:rPr lang="en-GB" smtClean="0"/>
-              <a:t>‹N°›</a:t>
+              <a:t>‹#›</a:t>
             </a:fld>
             <a:endParaRPr lang="en-GB"/>
           </a:p>
@@ -1233,7 +1233,7 @@
           <a:p>
             <a:fld id="{48D70FE8-65FD-4950-BD19-4EE3A454551B}" type="datetimeFigureOut">
               <a:rPr lang="en-GB" smtClean="0"/>
-              <a:t>06/01/2022</a:t>
+              <a:t>07/01/2022</a:t>
             </a:fld>
             <a:endParaRPr lang="en-GB"/>
           </a:p>
@@ -1287,7 +1287,7 @@
           <a:p>
             <a:fld id="{2F292878-7F0B-40D4-A83C-458753F39B78}" type="slidenum">
               <a:rPr lang="en-GB" smtClean="0"/>
-              <a:t>‹N°›</a:t>
+              <a:t>‹#›</a:t>
             </a:fld>
             <a:endParaRPr lang="en-GB"/>
           </a:p>
@@ -1509,7 +1509,7 @@
           <a:p>
             <a:fld id="{48D70FE8-65FD-4950-BD19-4EE3A454551B}" type="datetimeFigureOut">
               <a:rPr lang="en-GB" smtClean="0"/>
-              <a:t>06/01/2022</a:t>
+              <a:t>07/01/2022</a:t>
             </a:fld>
             <a:endParaRPr lang="en-GB"/>
           </a:p>
@@ -1563,7 +1563,7 @@
           <a:p>
             <a:fld id="{2F292878-7F0B-40D4-A83C-458753F39B78}" type="slidenum">
               <a:rPr lang="en-GB" smtClean="0"/>
-              <a:t>‹N°›</a:t>
+              <a:t>‹#›</a:t>
             </a:fld>
             <a:endParaRPr lang="en-GB"/>
           </a:p>
@@ -1777,7 +1777,7 @@
           <a:p>
             <a:fld id="{48D70FE8-65FD-4950-BD19-4EE3A454551B}" type="datetimeFigureOut">
               <a:rPr lang="en-GB" smtClean="0"/>
-              <a:t>06/01/2022</a:t>
+              <a:t>07/01/2022</a:t>
             </a:fld>
             <a:endParaRPr lang="en-GB"/>
           </a:p>
@@ -1831,7 +1831,7 @@
           <a:p>
             <a:fld id="{2F292878-7F0B-40D4-A83C-458753F39B78}" type="slidenum">
               <a:rPr lang="en-GB" smtClean="0"/>
-              <a:t>‹N°›</a:t>
+              <a:t>‹#›</a:t>
             </a:fld>
             <a:endParaRPr lang="en-GB"/>
           </a:p>
@@ -2192,7 +2192,7 @@
           <a:p>
             <a:fld id="{48D70FE8-65FD-4950-BD19-4EE3A454551B}" type="datetimeFigureOut">
               <a:rPr lang="en-GB" smtClean="0"/>
-              <a:t>06/01/2022</a:t>
+              <a:t>07/01/2022</a:t>
             </a:fld>
             <a:endParaRPr lang="en-GB"/>
           </a:p>
@@ -2246,7 +2246,7 @@
           <a:p>
             <a:fld id="{2F292878-7F0B-40D4-A83C-458753F39B78}" type="slidenum">
               <a:rPr lang="en-GB" smtClean="0"/>
-              <a:t>‹N°›</a:t>
+              <a:t>‹#›</a:t>
             </a:fld>
             <a:endParaRPr lang="en-GB"/>
           </a:p>
@@ -2334,7 +2334,7 @@
           <a:p>
             <a:fld id="{48D70FE8-65FD-4950-BD19-4EE3A454551B}" type="datetimeFigureOut">
               <a:rPr lang="en-GB" smtClean="0"/>
-              <a:t>06/01/2022</a:t>
+              <a:t>07/01/2022</a:t>
             </a:fld>
             <a:endParaRPr lang="en-GB"/>
           </a:p>
@@ -2388,7 +2388,7 @@
           <a:p>
             <a:fld id="{2F292878-7F0B-40D4-A83C-458753F39B78}" type="slidenum">
               <a:rPr lang="en-GB" smtClean="0"/>
-              <a:t>‹N°›</a:t>
+              <a:t>‹#›</a:t>
             </a:fld>
             <a:endParaRPr lang="en-GB"/>
           </a:p>
@@ -2447,7 +2447,7 @@
           <a:p>
             <a:fld id="{48D70FE8-65FD-4950-BD19-4EE3A454551B}" type="datetimeFigureOut">
               <a:rPr lang="en-GB" smtClean="0"/>
-              <a:t>06/01/2022</a:t>
+              <a:t>07/01/2022</a:t>
             </a:fld>
             <a:endParaRPr lang="en-GB"/>
           </a:p>
@@ -2501,7 +2501,7 @@
           <a:p>
             <a:fld id="{2F292878-7F0B-40D4-A83C-458753F39B78}" type="slidenum">
               <a:rPr lang="en-GB" smtClean="0"/>
-              <a:t>‹N°›</a:t>
+              <a:t>‹#›</a:t>
             </a:fld>
             <a:endParaRPr lang="en-GB"/>
           </a:p>
@@ -2760,7 +2760,7 @@
           <a:p>
             <a:fld id="{48D70FE8-65FD-4950-BD19-4EE3A454551B}" type="datetimeFigureOut">
               <a:rPr lang="en-GB" smtClean="0"/>
-              <a:t>06/01/2022</a:t>
+              <a:t>07/01/2022</a:t>
             </a:fld>
             <a:endParaRPr lang="en-GB"/>
           </a:p>
@@ -2814,7 +2814,7 @@
           <a:p>
             <a:fld id="{2F292878-7F0B-40D4-A83C-458753F39B78}" type="slidenum">
               <a:rPr lang="en-GB" smtClean="0"/>
-              <a:t>‹N°›</a:t>
+              <a:t>‹#›</a:t>
             </a:fld>
             <a:endParaRPr lang="en-GB"/>
           </a:p>
@@ -3049,7 +3049,7 @@
           <a:p>
             <a:fld id="{48D70FE8-65FD-4950-BD19-4EE3A454551B}" type="datetimeFigureOut">
               <a:rPr lang="en-GB" smtClean="0"/>
-              <a:t>06/01/2022</a:t>
+              <a:t>07/01/2022</a:t>
             </a:fld>
             <a:endParaRPr lang="en-GB"/>
           </a:p>
@@ -3103,7 +3103,7 @@
           <a:p>
             <a:fld id="{2F292878-7F0B-40D4-A83C-458753F39B78}" type="slidenum">
               <a:rPr lang="en-GB" smtClean="0"/>
-              <a:t>‹N°›</a:t>
+              <a:t>‹#›</a:t>
             </a:fld>
             <a:endParaRPr lang="en-GB"/>
           </a:p>
@@ -3292,7 +3292,7 @@
           <a:p>
             <a:fld id="{48D70FE8-65FD-4950-BD19-4EE3A454551B}" type="datetimeFigureOut">
               <a:rPr lang="en-GB" smtClean="0"/>
-              <a:t>06/01/2022</a:t>
+              <a:t>07/01/2022</a:t>
             </a:fld>
             <a:endParaRPr lang="en-GB"/>
           </a:p>
@@ -3382,7 +3382,7 @@
           <a:p>
             <a:fld id="{2F292878-7F0B-40D4-A83C-458753F39B78}" type="slidenum">
               <a:rPr lang="en-GB" smtClean="0"/>
-              <a:t>‹N°›</a:t>
+              <a:t>‹#›</a:t>
             </a:fld>
             <a:endParaRPr lang="en-GB"/>
           </a:p>
@@ -4623,7 +4623,7 @@
         <p:spPr>
           <a:xfrm>
             <a:off x="709999" y="1910265"/>
-            <a:ext cx="8861337" cy="2230739"/>
+            <a:ext cx="8861337" cy="2784737"/>
           </a:xfrm>
           <a:prstGeom prst="rect">
             <a:avLst/>
@@ -4664,7 +4664,19 @@
               <a:rPr lang="fr-FR" sz="1400" dirty="0"/>
               <a:t>*</a:t>
             </a:r>
-            <a:endParaRPr lang="fr-FR" dirty="0"/>
+          </a:p>
+          <a:p>
+            <a:pPr marL="285750" indent="-285750">
+              <a:lnSpc>
+                <a:spcPct val="200000"/>
+              </a:lnSpc>
+              <a:buFont typeface="Arial" panose="020B0604020202020204" pitchFamily="34" charset="0"/>
+              <a:buChar char="•"/>
+            </a:pPr>
+            <a:r>
+              <a:rPr lang="fr-FR" b="1" dirty="0"/>
+              <a:t>Comparer les habitats préférés entre les sites de piégeage</a:t>
+            </a:r>
           </a:p>
           <a:p>
             <a:pPr marL="285750" indent="-285750">
